--- a/MongoDB.pptx
+++ b/MongoDB.pptx
@@ -5,12 +5,22 @@
     <p:sldMasterId id="2147483756" r:id="rId1"/>
   </p:sldMasterIdLst>
   <p:notesMasterIdLst>
-    <p:notesMasterId r:id="rId5"/>
+    <p:notesMasterId r:id="rId15"/>
   </p:notesMasterIdLst>
   <p:sldIdLst>
     <p:sldId id="256" r:id="rId2"/>
     <p:sldId id="257" r:id="rId3"/>
     <p:sldId id="258" r:id="rId4"/>
+    <p:sldId id="259" r:id="rId5"/>
+    <p:sldId id="260" r:id="rId6"/>
+    <p:sldId id="261" r:id="rId7"/>
+    <p:sldId id="262" r:id="rId8"/>
+    <p:sldId id="263" r:id="rId9"/>
+    <p:sldId id="264" r:id="rId10"/>
+    <p:sldId id="265" r:id="rId11"/>
+    <p:sldId id="266" r:id="rId12"/>
+    <p:sldId id="267" r:id="rId13"/>
+    <p:sldId id="268" r:id="rId14"/>
   </p:sldIdLst>
   <p:sldSz cx="12192000" cy="6858000"/>
   <p:notesSz cx="6858000" cy="9144000"/>
@@ -109,6 +119,11 @@
       </a:defRPr>
     </a:lvl9pPr>
   </p:defaultTextStyle>
+  <p:extLst>
+    <p:ext uri="{EFAFB233-063F-42B5-8137-9DF3F51BA10A}">
+      <p15:sldGuideLst xmlns:p15="http://schemas.microsoft.com/office/powerpoint/2012/main"/>
+    </p:ext>
+  </p:extLst>
 </p:presentation>
 </file>
 
@@ -506,8 +521,176 @@
           <a:bodyPr/>
           <a:lstStyle/>
           <a:p>
-            <a:r>
-              <a:rPr lang="vi-VN" sz="1200" b="0" i="0" kern="1200" dirty="0" smtClean="0">
+            <a:endParaRPr lang="en-US" dirty="0"/>
+          </a:p>
+        </p:txBody>
+      </p:sp>
+      <p:sp>
+        <p:nvSpPr>
+          <p:cNvPr id="4" name="Slide Number Placeholder 3"/>
+          <p:cNvSpPr>
+            <a:spLocks noGrp="1"/>
+          </p:cNvSpPr>
+          <p:nvPr>
+            <p:ph type="sldNum" sz="quarter" idx="10"/>
+          </p:nvPr>
+        </p:nvSpPr>
+        <p:spPr/>
+        <p:txBody>
+          <a:bodyPr/>
+          <a:lstStyle/>
+          <a:p>
+            <a:fld id="{15109C04-A8ED-4FC6-BE71-EA60D4A163BE}" type="slidenum">
+              <a:rPr lang="en-US" smtClean="0"/>
+              <a:t>1</a:t>
+            </a:fld>
+            <a:endParaRPr lang="en-US"/>
+          </a:p>
+        </p:txBody>
+      </p:sp>
+    </p:spTree>
+    <p:extLst>
+      <p:ext uri="{BB962C8B-B14F-4D97-AF65-F5344CB8AC3E}">
+        <p14:creationId xmlns:p14="http://schemas.microsoft.com/office/powerpoint/2010/main" val="641292007"/>
+      </p:ext>
+    </p:extLst>
+  </p:cSld>
+  <p:clrMapOvr>
+    <a:masterClrMapping/>
+  </p:clrMapOvr>
+</p:notes>
+</file>
+
+<file path=ppt/notesSlides/notesSlide2.xml><?xml version="1.0" encoding="utf-8"?>
+<p:notes xmlns:a="http://schemas.openxmlformats.org/drawingml/2006/main" xmlns:r="http://schemas.openxmlformats.org/officeDocument/2006/relationships" xmlns:p="http://schemas.openxmlformats.org/presentationml/2006/main">
+  <p:cSld>
+    <p:spTree>
+      <p:nvGrpSpPr>
+        <p:cNvPr id="1" name=""/>
+        <p:cNvGrpSpPr/>
+        <p:nvPr/>
+      </p:nvGrpSpPr>
+      <p:grpSpPr>
+        <a:xfrm>
+          <a:off x="0" y="0"/>
+          <a:ext cx="0" cy="0"/>
+          <a:chOff x="0" y="0"/>
+          <a:chExt cx="0" cy="0"/>
+        </a:xfrm>
+      </p:grpSpPr>
+      <p:sp>
+        <p:nvSpPr>
+          <p:cNvPr id="2" name="Slide Image Placeholder 1"/>
+          <p:cNvSpPr>
+            <a:spLocks noGrp="1" noRot="1" noChangeAspect="1"/>
+          </p:cNvSpPr>
+          <p:nvPr>
+            <p:ph type="sldImg"/>
+          </p:nvPr>
+        </p:nvSpPr>
+        <p:spPr/>
+      </p:sp>
+      <p:sp>
+        <p:nvSpPr>
+          <p:cNvPr id="3" name="Notes Placeholder 2"/>
+          <p:cNvSpPr>
+            <a:spLocks noGrp="1"/>
+          </p:cNvSpPr>
+          <p:nvPr>
+            <p:ph type="body" idx="1"/>
+          </p:nvPr>
+        </p:nvSpPr>
+        <p:spPr/>
+        <p:txBody>
+          <a:bodyPr/>
+          <a:lstStyle/>
+          <a:p>
+            <a:endParaRPr lang="en-US" dirty="0"/>
+          </a:p>
+        </p:txBody>
+      </p:sp>
+      <p:sp>
+        <p:nvSpPr>
+          <p:cNvPr id="4" name="Slide Number Placeholder 3"/>
+          <p:cNvSpPr>
+            <a:spLocks noGrp="1"/>
+          </p:cNvSpPr>
+          <p:nvPr>
+            <p:ph type="sldNum" sz="quarter" idx="10"/>
+          </p:nvPr>
+        </p:nvSpPr>
+        <p:spPr/>
+        <p:txBody>
+          <a:bodyPr/>
+          <a:lstStyle/>
+          <a:p>
+            <a:fld id="{15109C04-A8ED-4FC6-BE71-EA60D4A163BE}" type="slidenum">
+              <a:rPr lang="en-US" smtClean="0"/>
+              <a:t>3</a:t>
+            </a:fld>
+            <a:endParaRPr lang="en-US"/>
+          </a:p>
+        </p:txBody>
+      </p:sp>
+    </p:spTree>
+    <p:extLst>
+      <p:ext uri="{BB962C8B-B14F-4D97-AF65-F5344CB8AC3E}">
+        <p14:creationId xmlns:p14="http://schemas.microsoft.com/office/powerpoint/2010/main" val="1935735001"/>
+      </p:ext>
+    </p:extLst>
+  </p:cSld>
+  <p:clrMapOvr>
+    <a:masterClrMapping/>
+  </p:clrMapOvr>
+</p:notes>
+</file>
+
+<file path=ppt/notesSlides/notesSlide3.xml><?xml version="1.0" encoding="utf-8"?>
+<p:notes xmlns:a="http://schemas.openxmlformats.org/drawingml/2006/main" xmlns:r="http://schemas.openxmlformats.org/officeDocument/2006/relationships" xmlns:p="http://schemas.openxmlformats.org/presentationml/2006/main">
+  <p:cSld>
+    <p:spTree>
+      <p:nvGrpSpPr>
+        <p:cNvPr id="1" name=""/>
+        <p:cNvGrpSpPr/>
+        <p:nvPr/>
+      </p:nvGrpSpPr>
+      <p:grpSpPr>
+        <a:xfrm>
+          <a:off x="0" y="0"/>
+          <a:ext cx="0" cy="0"/>
+          <a:chOff x="0" y="0"/>
+          <a:chExt cx="0" cy="0"/>
+        </a:xfrm>
+      </p:grpSpPr>
+      <p:sp>
+        <p:nvSpPr>
+          <p:cNvPr id="2" name="Slide Image Placeholder 1"/>
+          <p:cNvSpPr>
+            <a:spLocks noGrp="1" noRot="1" noChangeAspect="1"/>
+          </p:cNvSpPr>
+          <p:nvPr>
+            <p:ph type="sldImg"/>
+          </p:nvPr>
+        </p:nvSpPr>
+        <p:spPr/>
+      </p:sp>
+      <p:sp>
+        <p:nvSpPr>
+          <p:cNvPr id="3" name="Notes Placeholder 2"/>
+          <p:cNvSpPr>
+            <a:spLocks noGrp="1"/>
+          </p:cNvSpPr>
+          <p:nvPr>
+            <p:ph type="body" idx="1"/>
+          </p:nvPr>
+        </p:nvSpPr>
+        <p:spPr/>
+        <p:txBody>
+          <a:bodyPr/>
+          <a:lstStyle/>
+          <a:p>
+            <a:r>
+              <a:rPr lang="en-US" sz="1200" b="0" i="0" kern="1200" dirty="0" smtClean="0">
                 <a:solidFill>
                   <a:schemeClr val="tx1"/>
                 </a:solidFill>
@@ -516,7 +699,7 @@
                 <a:ea typeface="+mn-ea"/>
                 <a:cs typeface="+mn-cs"/>
               </a:rPr>
-              <a:t>lưu trữ json ở dạng plain text hoặc dạng json object (Bson - binary encoding of JSON), nếu lưu ở dạng text thì phải mất thêm 1 convert từ text thành Json object nên hiệu năng sẽ thấp hơn nhiều, hơn nữa Bson có support 1 số loại kiểu dữ liệu không có trong Json, ví dụ như kiểu Date chẳng hạn</a:t>
+              <a:t>RDBMS: relational database management system</a:t>
             </a:r>
             <a:endParaRPr lang="en-US" dirty="0"/>
           </a:p>
@@ -539,7 +722,7 @@
           <a:p>
             <a:fld id="{15109C04-A8ED-4FC6-BE71-EA60D4A163BE}" type="slidenum">
               <a:rPr lang="en-US" smtClean="0"/>
-              <a:t>3</a:t>
+              <a:t>4</a:t>
             </a:fld>
             <a:endParaRPr lang="en-US"/>
           </a:p>
@@ -548,7 +731,7 @@
     </p:spTree>
     <p:extLst>
       <p:ext uri="{BB962C8B-B14F-4D97-AF65-F5344CB8AC3E}">
-        <p14:creationId xmlns:p14="http://schemas.microsoft.com/office/powerpoint/2010/main" val="1935735001"/>
+        <p14:creationId xmlns:p14="http://schemas.microsoft.com/office/powerpoint/2010/main" val="2887895327"/>
       </p:ext>
     </p:extLst>
   </p:cSld>
@@ -6595,6 +6778,10 @@
           <a:bodyPr/>
           <a:lstStyle/>
           <a:p>
+            <a:r>
+              <a:rPr lang="en-US" dirty="0" smtClean="0"/>
+              <a:t>LVSANG</a:t>
+            </a:r>
             <a:endParaRPr lang="en-US" dirty="0"/>
           </a:p>
         </p:txBody>
@@ -6619,6 +6806,537 @@
 </p:sld>
 </file>
 
+<file path=ppt/slides/slide10.xml><?xml version="1.0" encoding="utf-8"?>
+<p:sld xmlns:a="http://schemas.openxmlformats.org/drawingml/2006/main" xmlns:r="http://schemas.openxmlformats.org/officeDocument/2006/relationships" xmlns:p="http://schemas.openxmlformats.org/presentationml/2006/main">
+  <p:cSld>
+    <p:spTree>
+      <p:nvGrpSpPr>
+        <p:cNvPr id="1" name=""/>
+        <p:cNvGrpSpPr/>
+        <p:nvPr/>
+      </p:nvGrpSpPr>
+      <p:grpSpPr>
+        <a:xfrm>
+          <a:off x="0" y="0"/>
+          <a:ext cx="0" cy="0"/>
+          <a:chOff x="0" y="0"/>
+          <a:chExt cx="0" cy="0"/>
+        </a:xfrm>
+      </p:grpSpPr>
+      <p:sp>
+        <p:nvSpPr>
+          <p:cNvPr id="2" name="Title 1"/>
+          <p:cNvSpPr>
+            <a:spLocks noGrp="1"/>
+          </p:cNvSpPr>
+          <p:nvPr>
+            <p:ph type="title"/>
+          </p:nvPr>
+        </p:nvSpPr>
+        <p:spPr/>
+        <p:txBody>
+          <a:bodyPr/>
+          <a:lstStyle/>
+          <a:p>
+            <a:r>
+              <a:rPr lang="en-US" dirty="0"/>
+              <a:t>Some query statements in </a:t>
+            </a:r>
+            <a:r>
+              <a:rPr lang="en-US" dirty="0" smtClean="0"/>
+              <a:t>MongoDB</a:t>
+            </a:r>
+            <a:endParaRPr lang="en-US" dirty="0"/>
+          </a:p>
+        </p:txBody>
+      </p:sp>
+      <p:sp>
+        <p:nvSpPr>
+          <p:cNvPr id="3" name="Content Placeholder 2"/>
+          <p:cNvSpPr>
+            <a:spLocks noGrp="1"/>
+          </p:cNvSpPr>
+          <p:nvPr>
+            <p:ph idx="1"/>
+          </p:nvPr>
+        </p:nvSpPr>
+        <p:spPr>
+          <a:xfrm>
+            <a:off x="1104293" y="2105672"/>
+            <a:ext cx="8946541" cy="4195481"/>
+          </a:xfrm>
+        </p:spPr>
+        <p:txBody>
+          <a:bodyPr/>
+          <a:lstStyle/>
+          <a:p>
+            <a:r>
+              <a:rPr lang="en-US" dirty="0" smtClean="0"/>
+              <a:t>Insert Data</a:t>
+            </a:r>
+          </a:p>
+          <a:p>
+            <a:endParaRPr lang="en-US" dirty="0"/>
+          </a:p>
+        </p:txBody>
+      </p:sp>
+      <p:pic>
+        <p:nvPicPr>
+          <p:cNvPr id="4" name="Picture 3"/>
+          <p:cNvPicPr>
+            <a:picLocks noChangeAspect="1"/>
+          </p:cNvPicPr>
+          <p:nvPr/>
+        </p:nvPicPr>
+        <p:blipFill>
+          <a:blip r:embed="rId2"/>
+          <a:stretch>
+            <a:fillRect/>
+          </a:stretch>
+        </p:blipFill>
+        <p:spPr>
+          <a:xfrm>
+            <a:off x="4646734" y="1143000"/>
+            <a:ext cx="4796203" cy="5591908"/>
+          </a:xfrm>
+          <a:prstGeom prst="rect">
+            <a:avLst/>
+          </a:prstGeom>
+        </p:spPr>
+      </p:pic>
+    </p:spTree>
+    <p:extLst>
+      <p:ext uri="{BB962C8B-B14F-4D97-AF65-F5344CB8AC3E}">
+        <p14:creationId xmlns:p14="http://schemas.microsoft.com/office/powerpoint/2010/main" val="1542942889"/>
+      </p:ext>
+    </p:extLst>
+  </p:cSld>
+  <p:clrMapOvr>
+    <a:masterClrMapping/>
+  </p:clrMapOvr>
+  <p:timing>
+    <p:tnLst>
+      <p:par>
+        <p:cTn id="1" dur="indefinite" restart="never" nodeType="tmRoot"/>
+      </p:par>
+    </p:tnLst>
+  </p:timing>
+</p:sld>
+</file>
+
+<file path=ppt/slides/slide11.xml><?xml version="1.0" encoding="utf-8"?>
+<p:sld xmlns:a="http://schemas.openxmlformats.org/drawingml/2006/main" xmlns:r="http://schemas.openxmlformats.org/officeDocument/2006/relationships" xmlns:p="http://schemas.openxmlformats.org/presentationml/2006/main">
+  <p:cSld>
+    <p:spTree>
+      <p:nvGrpSpPr>
+        <p:cNvPr id="1" name=""/>
+        <p:cNvGrpSpPr/>
+        <p:nvPr/>
+      </p:nvGrpSpPr>
+      <p:grpSpPr>
+        <a:xfrm>
+          <a:off x="0" y="0"/>
+          <a:ext cx="0" cy="0"/>
+          <a:chOff x="0" y="0"/>
+          <a:chExt cx="0" cy="0"/>
+        </a:xfrm>
+      </p:grpSpPr>
+      <p:sp>
+        <p:nvSpPr>
+          <p:cNvPr id="2" name="Title 1"/>
+          <p:cNvSpPr>
+            <a:spLocks noGrp="1"/>
+          </p:cNvSpPr>
+          <p:nvPr>
+            <p:ph type="title"/>
+          </p:nvPr>
+        </p:nvSpPr>
+        <p:spPr/>
+        <p:txBody>
+          <a:bodyPr/>
+          <a:lstStyle/>
+          <a:p>
+            <a:r>
+              <a:rPr lang="en-US" dirty="0"/>
+              <a:t>Some query statements in MongoDB</a:t>
+            </a:r>
+          </a:p>
+        </p:txBody>
+      </p:sp>
+      <p:sp>
+        <p:nvSpPr>
+          <p:cNvPr id="3" name="Content Placeholder 2"/>
+          <p:cNvSpPr>
+            <a:spLocks noGrp="1"/>
+          </p:cNvSpPr>
+          <p:nvPr>
+            <p:ph idx="1"/>
+          </p:nvPr>
+        </p:nvSpPr>
+        <p:spPr/>
+        <p:txBody>
+          <a:bodyPr/>
+          <a:lstStyle/>
+          <a:p>
+            <a:r>
+              <a:rPr lang="en-US" dirty="0" smtClean="0"/>
+              <a:t>Find Data</a:t>
+            </a:r>
+          </a:p>
+          <a:p>
+            <a:endParaRPr lang="en-US" dirty="0" smtClean="0"/>
+          </a:p>
+          <a:p>
+            <a:endParaRPr lang="en-US" dirty="0"/>
+          </a:p>
+          <a:p>
+            <a:endParaRPr lang="en-US" dirty="0" smtClean="0"/>
+          </a:p>
+          <a:p>
+            <a:endParaRPr lang="en-US" dirty="0"/>
+          </a:p>
+        </p:txBody>
+      </p:sp>
+      <p:pic>
+        <p:nvPicPr>
+          <p:cNvPr id="4" name="Picture 3"/>
+          <p:cNvPicPr>
+            <a:picLocks noChangeAspect="1"/>
+          </p:cNvPicPr>
+          <p:nvPr/>
+        </p:nvPicPr>
+        <p:blipFill>
+          <a:blip r:embed="rId2"/>
+          <a:stretch>
+            <a:fillRect/>
+          </a:stretch>
+        </p:blipFill>
+        <p:spPr>
+          <a:xfrm>
+            <a:off x="2728912" y="2571750"/>
+            <a:ext cx="2162175" cy="800100"/>
+          </a:xfrm>
+          <a:prstGeom prst="rect">
+            <a:avLst/>
+          </a:prstGeom>
+        </p:spPr>
+      </p:pic>
+      <p:pic>
+        <p:nvPicPr>
+          <p:cNvPr id="5" name="Picture 4"/>
+          <p:cNvPicPr>
+            <a:picLocks noChangeAspect="1"/>
+          </p:cNvPicPr>
+          <p:nvPr/>
+        </p:nvPicPr>
+        <p:blipFill>
+          <a:blip r:embed="rId3"/>
+          <a:stretch>
+            <a:fillRect/>
+          </a:stretch>
+        </p:blipFill>
+        <p:spPr>
+          <a:xfrm>
+            <a:off x="2728912" y="3736320"/>
+            <a:ext cx="4552950" cy="828675"/>
+          </a:xfrm>
+          <a:prstGeom prst="rect">
+            <a:avLst/>
+          </a:prstGeom>
+        </p:spPr>
+      </p:pic>
+      <p:pic>
+        <p:nvPicPr>
+          <p:cNvPr id="6" name="Picture 5"/>
+          <p:cNvPicPr>
+            <a:picLocks noChangeAspect="1"/>
+          </p:cNvPicPr>
+          <p:nvPr/>
+        </p:nvPicPr>
+        <p:blipFill>
+          <a:blip r:embed="rId4"/>
+          <a:stretch>
+            <a:fillRect/>
+          </a:stretch>
+        </p:blipFill>
+        <p:spPr>
+          <a:xfrm>
+            <a:off x="2728912" y="4929465"/>
+            <a:ext cx="4610100" cy="904875"/>
+          </a:xfrm>
+          <a:prstGeom prst="rect">
+            <a:avLst/>
+          </a:prstGeom>
+        </p:spPr>
+      </p:pic>
+    </p:spTree>
+    <p:extLst>
+      <p:ext uri="{BB962C8B-B14F-4D97-AF65-F5344CB8AC3E}">
+        <p14:creationId xmlns:p14="http://schemas.microsoft.com/office/powerpoint/2010/main" val="3983263093"/>
+      </p:ext>
+    </p:extLst>
+  </p:cSld>
+  <p:clrMapOvr>
+    <a:masterClrMapping/>
+  </p:clrMapOvr>
+</p:sld>
+</file>
+
+<file path=ppt/slides/slide12.xml><?xml version="1.0" encoding="utf-8"?>
+<p:sld xmlns:a="http://schemas.openxmlformats.org/drawingml/2006/main" xmlns:r="http://schemas.openxmlformats.org/officeDocument/2006/relationships" xmlns:p="http://schemas.openxmlformats.org/presentationml/2006/main">
+  <p:cSld>
+    <p:spTree>
+      <p:nvGrpSpPr>
+        <p:cNvPr id="1" name=""/>
+        <p:cNvGrpSpPr/>
+        <p:nvPr/>
+      </p:nvGrpSpPr>
+      <p:grpSpPr>
+        <a:xfrm>
+          <a:off x="0" y="0"/>
+          <a:ext cx="0" cy="0"/>
+          <a:chOff x="0" y="0"/>
+          <a:chExt cx="0" cy="0"/>
+        </a:xfrm>
+      </p:grpSpPr>
+      <p:sp>
+        <p:nvSpPr>
+          <p:cNvPr id="2" name="Title 1"/>
+          <p:cNvSpPr>
+            <a:spLocks noGrp="1"/>
+          </p:cNvSpPr>
+          <p:nvPr>
+            <p:ph type="title"/>
+          </p:nvPr>
+        </p:nvSpPr>
+        <p:spPr/>
+        <p:txBody>
+          <a:bodyPr/>
+          <a:lstStyle/>
+          <a:p>
+            <a:r>
+              <a:rPr lang="en-US" dirty="0"/>
+              <a:t>Some query statements in MongoDB</a:t>
+            </a:r>
+          </a:p>
+        </p:txBody>
+      </p:sp>
+      <p:sp>
+        <p:nvSpPr>
+          <p:cNvPr id="3" name="Content Placeholder 2"/>
+          <p:cNvSpPr>
+            <a:spLocks noGrp="1"/>
+          </p:cNvSpPr>
+          <p:nvPr>
+            <p:ph idx="1"/>
+          </p:nvPr>
+        </p:nvSpPr>
+        <p:spPr/>
+        <p:txBody>
+          <a:bodyPr/>
+          <a:lstStyle/>
+          <a:p>
+            <a:r>
+              <a:rPr lang="en-US" dirty="0" smtClean="0"/>
+              <a:t>Update data</a:t>
+            </a:r>
+          </a:p>
+          <a:p>
+            <a:endParaRPr lang="en-US" dirty="0"/>
+          </a:p>
+        </p:txBody>
+      </p:sp>
+      <p:pic>
+        <p:nvPicPr>
+          <p:cNvPr id="4" name="Picture 3"/>
+          <p:cNvPicPr>
+            <a:picLocks noChangeAspect="1"/>
+          </p:cNvPicPr>
+          <p:nvPr/>
+        </p:nvPicPr>
+        <p:blipFill>
+          <a:blip r:embed="rId2"/>
+          <a:stretch>
+            <a:fillRect/>
+          </a:stretch>
+        </p:blipFill>
+        <p:spPr>
+          <a:xfrm>
+            <a:off x="3133725" y="2957512"/>
+            <a:ext cx="4038600" cy="1781175"/>
+          </a:xfrm>
+          <a:prstGeom prst="rect">
+            <a:avLst/>
+          </a:prstGeom>
+        </p:spPr>
+      </p:pic>
+    </p:spTree>
+    <p:extLst>
+      <p:ext uri="{BB962C8B-B14F-4D97-AF65-F5344CB8AC3E}">
+        <p14:creationId xmlns:p14="http://schemas.microsoft.com/office/powerpoint/2010/main" val="3330393341"/>
+      </p:ext>
+    </p:extLst>
+  </p:cSld>
+  <p:clrMapOvr>
+    <a:masterClrMapping/>
+  </p:clrMapOvr>
+</p:sld>
+</file>
+
+<file path=ppt/slides/slide13.xml><?xml version="1.0" encoding="utf-8"?>
+<p:sld xmlns:a="http://schemas.openxmlformats.org/drawingml/2006/main" xmlns:r="http://schemas.openxmlformats.org/officeDocument/2006/relationships" xmlns:p="http://schemas.openxmlformats.org/presentationml/2006/main">
+  <p:cSld>
+    <p:spTree>
+      <p:nvGrpSpPr>
+        <p:cNvPr id="1" name=""/>
+        <p:cNvGrpSpPr/>
+        <p:nvPr/>
+      </p:nvGrpSpPr>
+      <p:grpSpPr>
+        <a:xfrm>
+          <a:off x="0" y="0"/>
+          <a:ext cx="0" cy="0"/>
+          <a:chOff x="0" y="0"/>
+          <a:chExt cx="0" cy="0"/>
+        </a:xfrm>
+      </p:grpSpPr>
+      <p:sp>
+        <p:nvSpPr>
+          <p:cNvPr id="2" name="Title 1"/>
+          <p:cNvSpPr>
+            <a:spLocks noGrp="1"/>
+          </p:cNvSpPr>
+          <p:nvPr>
+            <p:ph type="title"/>
+          </p:nvPr>
+        </p:nvSpPr>
+        <p:spPr/>
+        <p:txBody>
+          <a:bodyPr/>
+          <a:lstStyle/>
+          <a:p>
+            <a:r>
+              <a:rPr lang="en-US" dirty="0"/>
+              <a:t>Some query statements in MongoDB</a:t>
+            </a:r>
+          </a:p>
+        </p:txBody>
+      </p:sp>
+      <p:sp>
+        <p:nvSpPr>
+          <p:cNvPr id="3" name="Content Placeholder 2"/>
+          <p:cNvSpPr>
+            <a:spLocks noGrp="1"/>
+          </p:cNvSpPr>
+          <p:nvPr>
+            <p:ph idx="1"/>
+          </p:nvPr>
+        </p:nvSpPr>
+        <p:spPr>
+          <a:xfrm>
+            <a:off x="1104293" y="2052917"/>
+            <a:ext cx="8946541" cy="4195481"/>
+          </a:xfrm>
+        </p:spPr>
+        <p:txBody>
+          <a:bodyPr/>
+          <a:lstStyle/>
+          <a:p>
+            <a:r>
+              <a:rPr lang="en-US" dirty="0" smtClean="0"/>
+              <a:t>Remove Data</a:t>
+            </a:r>
+          </a:p>
+          <a:p>
+            <a:endParaRPr lang="en-US" dirty="0"/>
+          </a:p>
+        </p:txBody>
+      </p:sp>
+      <p:pic>
+        <p:nvPicPr>
+          <p:cNvPr id="5" name="Picture 4"/>
+          <p:cNvPicPr>
+            <a:picLocks noChangeAspect="1"/>
+          </p:cNvPicPr>
+          <p:nvPr/>
+        </p:nvPicPr>
+        <p:blipFill>
+          <a:blip r:embed="rId2"/>
+          <a:stretch>
+            <a:fillRect/>
+          </a:stretch>
+        </p:blipFill>
+        <p:spPr>
+          <a:xfrm>
+            <a:off x="2890837" y="2609850"/>
+            <a:ext cx="4505325" cy="495300"/>
+          </a:xfrm>
+          <a:prstGeom prst="rect">
+            <a:avLst/>
+          </a:prstGeom>
+        </p:spPr>
+      </p:pic>
+      <p:pic>
+        <p:nvPicPr>
+          <p:cNvPr id="6" name="Picture 5"/>
+          <p:cNvPicPr>
+            <a:picLocks noChangeAspect="1"/>
+          </p:cNvPicPr>
+          <p:nvPr/>
+        </p:nvPicPr>
+        <p:blipFill>
+          <a:blip r:embed="rId3"/>
+          <a:stretch>
+            <a:fillRect/>
+          </a:stretch>
+        </p:blipFill>
+        <p:spPr>
+          <a:xfrm>
+            <a:off x="2890837" y="3512483"/>
+            <a:ext cx="5924550" cy="638175"/>
+          </a:xfrm>
+          <a:prstGeom prst="rect">
+            <a:avLst/>
+          </a:prstGeom>
+        </p:spPr>
+      </p:pic>
+      <p:pic>
+        <p:nvPicPr>
+          <p:cNvPr id="7" name="Picture 6"/>
+          <p:cNvPicPr>
+            <a:picLocks noChangeAspect="1"/>
+          </p:cNvPicPr>
+          <p:nvPr/>
+        </p:nvPicPr>
+        <p:blipFill>
+          <a:blip r:embed="rId4"/>
+          <a:stretch>
+            <a:fillRect/>
+          </a:stretch>
+        </p:blipFill>
+        <p:spPr>
+          <a:xfrm>
+            <a:off x="2890837" y="4628028"/>
+            <a:ext cx="3543300" cy="571500"/>
+          </a:xfrm>
+          <a:prstGeom prst="rect">
+            <a:avLst/>
+          </a:prstGeom>
+        </p:spPr>
+      </p:pic>
+    </p:spTree>
+    <p:extLst>
+      <p:ext uri="{BB962C8B-B14F-4D97-AF65-F5344CB8AC3E}">
+        <p14:creationId xmlns:p14="http://schemas.microsoft.com/office/powerpoint/2010/main" val="408211129"/>
+      </p:ext>
+    </p:extLst>
+  </p:cSld>
+  <p:clrMapOvr>
+    <a:masterClrMapping/>
+  </p:clrMapOvr>
+</p:sld>
+</file>
+
 <file path=ppt/slides/slide2.xml><?xml version="1.0" encoding="utf-8"?>
 <p:sld xmlns:a="http://schemas.openxmlformats.org/drawingml/2006/main" xmlns:r="http://schemas.openxmlformats.org/officeDocument/2006/relationships" xmlns:p="http://schemas.openxmlformats.org/presentationml/2006/main">
   <p:cSld>
@@ -6676,14 +7394,46 @@
           <a:p>
             <a:r>
               <a:rPr lang="en-US" dirty="0" smtClean="0"/>
-              <a:t>What is MongoDB</a:t>
-            </a:r>
+              <a:t>What is </a:t>
+            </a:r>
+            <a:r>
+              <a:rPr lang="en-US" dirty="0" smtClean="0"/>
+              <a:t>MongoDB</a:t>
+            </a:r>
+          </a:p>
+          <a:p>
+            <a:r>
+              <a:rPr lang="en-US" dirty="0"/>
+              <a:t>Terminology and </a:t>
+            </a:r>
+            <a:r>
+              <a:rPr lang="en-US" dirty="0" smtClean="0"/>
+              <a:t>Concepts</a:t>
+            </a:r>
+            <a:endParaRPr lang="en-US" dirty="0" smtClean="0"/>
           </a:p>
           <a:p>
             <a:r>
               <a:rPr lang="en-US" dirty="0" smtClean="0"/>
               <a:t>Installing</a:t>
             </a:r>
+          </a:p>
+          <a:p>
+            <a:r>
+              <a:rPr lang="en-US" dirty="0"/>
+              <a:t>Configure </a:t>
+            </a:r>
+            <a:r>
+              <a:rPr lang="en-US" dirty="0" smtClean="0"/>
+              <a:t>MongoDB</a:t>
+            </a:r>
+          </a:p>
+          <a:p>
+            <a:r>
+              <a:rPr lang="en-US" dirty="0"/>
+              <a:t>Some query statements in MongoDB</a:t>
+            </a:r>
+            <a:endParaRPr lang="en-US" dirty="0" smtClean="0"/>
           </a:p>
           <a:p>
             <a:endParaRPr lang="en-US" dirty="0"/>
@@ -6766,14 +7516,64 @@
           <a:lstStyle/>
           <a:p>
             <a:r>
+              <a:rPr lang="en-US" dirty="0"/>
+              <a:t>MongoDB is an open-source document database, and </a:t>
+            </a:r>
+            <a:r>
               <a:rPr lang="en-US" dirty="0" smtClean="0"/>
-              <a:t>Open-source database</a:t>
-            </a:r>
-          </a:p>
-          <a:p>
+              <a:t>a </a:t>
+            </a:r>
             <a:r>
               <a:rPr lang="en-US" dirty="0"/>
-              <a:t>MongoDB stores data in JSON-like documents that can vary in structure.</a:t>
+              <a:t>NoSQL database. </a:t>
+            </a:r>
+            <a:endParaRPr lang="en-US" dirty="0" smtClean="0"/>
+          </a:p>
+          <a:p>
+            <a:r>
+              <a:rPr lang="en-US" dirty="0" smtClean="0"/>
+              <a:t>MongoDB </a:t>
+            </a:r>
+            <a:r>
+              <a:rPr lang="en-US" dirty="0"/>
+              <a:t>is written in </a:t>
+            </a:r>
+            <a:r>
+              <a:rPr lang="en-US" dirty="0" err="1"/>
+              <a:t>c</a:t>
+            </a:r>
+            <a:r>
+              <a:rPr lang="en-US" dirty="0" err="1" smtClean="0"/>
+              <a:t>++</a:t>
+            </a:r>
+            <a:endParaRPr lang="en-US" dirty="0" smtClean="0"/>
+          </a:p>
+          <a:p>
+            <a:r>
+              <a:rPr lang="en-US" dirty="0"/>
+              <a:t>MongoDB stores JSON documents in a binary-encoded format called BSON</a:t>
+            </a:r>
+            <a:endParaRPr lang="en-US" dirty="0" smtClean="0"/>
+          </a:p>
+          <a:p>
+            <a:r>
+              <a:rPr lang="en-US" dirty="0"/>
+              <a:t>MongoDB uses dynamic </a:t>
+            </a:r>
+            <a:r>
+              <a:rPr lang="en-US" dirty="0" smtClean="0"/>
+              <a:t>schemas</a:t>
+            </a:r>
+            <a:r>
+              <a:rPr lang="en-US" dirty="0"/>
+              <a:t> </a:t>
+            </a:r>
+            <a:endParaRPr lang="en-US" dirty="0" smtClean="0"/>
+          </a:p>
+          <a:p>
+            <a:r>
+              <a:rPr lang="en-US" dirty="0" smtClean="0"/>
+              <a:t>MongoDB works on concept of collection and document.</a:t>
             </a:r>
             <a:endParaRPr lang="en-US" dirty="0"/>
           </a:p>
@@ -6783,6 +7583,777 @@
     <p:extLst>
       <p:ext uri="{BB962C8B-B14F-4D97-AF65-F5344CB8AC3E}">
         <p14:creationId xmlns:p14="http://schemas.microsoft.com/office/powerpoint/2010/main" val="1908935145"/>
+      </p:ext>
+    </p:extLst>
+  </p:cSld>
+  <p:clrMapOvr>
+    <a:masterClrMapping/>
+  </p:clrMapOvr>
+  <p:timing>
+    <p:tnLst>
+      <p:par>
+        <p:cTn id="1" dur="indefinite" restart="never" nodeType="tmRoot"/>
+      </p:par>
+    </p:tnLst>
+  </p:timing>
+</p:sld>
+</file>
+
+<file path=ppt/slides/slide4.xml><?xml version="1.0" encoding="utf-8"?>
+<p:sld xmlns:a="http://schemas.openxmlformats.org/drawingml/2006/main" xmlns:r="http://schemas.openxmlformats.org/officeDocument/2006/relationships" xmlns:p="http://schemas.openxmlformats.org/presentationml/2006/main">
+  <p:cSld>
+    <p:spTree>
+      <p:nvGrpSpPr>
+        <p:cNvPr id="1" name=""/>
+        <p:cNvGrpSpPr/>
+        <p:nvPr/>
+      </p:nvGrpSpPr>
+      <p:grpSpPr>
+        <a:xfrm>
+          <a:off x="0" y="0"/>
+          <a:ext cx="0" cy="0"/>
+          <a:chOff x="0" y="0"/>
+          <a:chExt cx="0" cy="0"/>
+        </a:xfrm>
+      </p:grpSpPr>
+      <p:sp>
+        <p:nvSpPr>
+          <p:cNvPr id="2" name="Title 1"/>
+          <p:cNvSpPr>
+            <a:spLocks noGrp="1"/>
+          </p:cNvSpPr>
+          <p:nvPr>
+            <p:ph type="title"/>
+          </p:nvPr>
+        </p:nvSpPr>
+        <p:spPr/>
+        <p:txBody>
+          <a:bodyPr/>
+          <a:lstStyle/>
+          <a:p>
+            <a:r>
+              <a:rPr lang="en-US" dirty="0"/>
+              <a:t>Terminology and Concepts</a:t>
+            </a:r>
+            <a:br>
+              <a:rPr lang="en-US" dirty="0"/>
+            </a:br>
+            <a:endParaRPr lang="en-US" dirty="0"/>
+          </a:p>
+        </p:txBody>
+      </p:sp>
+      <p:pic>
+        <p:nvPicPr>
+          <p:cNvPr id="4" name="Content Placeholder 3"/>
+          <p:cNvPicPr>
+            <a:picLocks noGrp="1" noChangeAspect="1"/>
+          </p:cNvPicPr>
+          <p:nvPr>
+            <p:ph idx="1"/>
+          </p:nvPr>
+        </p:nvPicPr>
+        <p:blipFill>
+          <a:blip r:embed="rId3"/>
+          <a:stretch>
+            <a:fillRect/>
+          </a:stretch>
+        </p:blipFill>
+        <p:spPr>
+          <a:xfrm>
+            <a:off x="646111" y="1600199"/>
+            <a:ext cx="9786929" cy="4568317"/>
+          </a:xfrm>
+          <a:prstGeom prst="rect">
+            <a:avLst/>
+          </a:prstGeom>
+        </p:spPr>
+      </p:pic>
+    </p:spTree>
+    <p:extLst>
+      <p:ext uri="{BB962C8B-B14F-4D97-AF65-F5344CB8AC3E}">
+        <p14:creationId xmlns:p14="http://schemas.microsoft.com/office/powerpoint/2010/main" val="1171409945"/>
+      </p:ext>
+    </p:extLst>
+  </p:cSld>
+  <p:clrMapOvr>
+    <a:masterClrMapping/>
+  </p:clrMapOvr>
+</p:sld>
+</file>
+
+<file path=ppt/slides/slide5.xml><?xml version="1.0" encoding="utf-8"?>
+<p:sld xmlns:a="http://schemas.openxmlformats.org/drawingml/2006/main" xmlns:r="http://schemas.openxmlformats.org/officeDocument/2006/relationships" xmlns:p="http://schemas.openxmlformats.org/presentationml/2006/main">
+  <p:cSld>
+    <p:spTree>
+      <p:nvGrpSpPr>
+        <p:cNvPr id="1" name=""/>
+        <p:cNvGrpSpPr/>
+        <p:nvPr/>
+      </p:nvGrpSpPr>
+      <p:grpSpPr>
+        <a:xfrm>
+          <a:off x="0" y="0"/>
+          <a:ext cx="0" cy="0"/>
+          <a:chOff x="0" y="0"/>
+          <a:chExt cx="0" cy="0"/>
+        </a:xfrm>
+      </p:grpSpPr>
+      <p:sp>
+        <p:nvSpPr>
+          <p:cNvPr id="2" name="Title 1"/>
+          <p:cNvSpPr>
+            <a:spLocks noGrp="1"/>
+          </p:cNvSpPr>
+          <p:nvPr>
+            <p:ph type="title"/>
+          </p:nvPr>
+        </p:nvSpPr>
+        <p:spPr/>
+        <p:txBody>
+          <a:bodyPr/>
+          <a:lstStyle/>
+          <a:p>
+            <a:r>
+              <a:rPr lang="en-US" dirty="0" smtClean="0"/>
+              <a:t>Sample document</a:t>
+            </a:r>
+            <a:endParaRPr lang="en-US" dirty="0"/>
+          </a:p>
+        </p:txBody>
+      </p:sp>
+      <p:pic>
+        <p:nvPicPr>
+          <p:cNvPr id="4" name="Content Placeholder 3"/>
+          <p:cNvPicPr>
+            <a:picLocks noGrp="1" noChangeAspect="1"/>
+          </p:cNvPicPr>
+          <p:nvPr>
+            <p:ph idx="1"/>
+          </p:nvPr>
+        </p:nvPicPr>
+        <p:blipFill>
+          <a:blip r:embed="rId2"/>
+          <a:stretch>
+            <a:fillRect/>
+          </a:stretch>
+        </p:blipFill>
+        <p:spPr>
+          <a:xfrm>
+            <a:off x="2878749" y="1087842"/>
+            <a:ext cx="5597036" cy="5717403"/>
+          </a:xfrm>
+          <a:prstGeom prst="rect">
+            <a:avLst/>
+          </a:prstGeom>
+        </p:spPr>
+      </p:pic>
+    </p:spTree>
+    <p:extLst>
+      <p:ext uri="{BB962C8B-B14F-4D97-AF65-F5344CB8AC3E}">
+        <p14:creationId xmlns:p14="http://schemas.microsoft.com/office/powerpoint/2010/main" val="425227276"/>
+      </p:ext>
+    </p:extLst>
+  </p:cSld>
+  <p:clrMapOvr>
+    <a:masterClrMapping/>
+  </p:clrMapOvr>
+  <p:timing>
+    <p:tnLst>
+      <p:par>
+        <p:cTn id="1" dur="indefinite" restart="never" nodeType="tmRoot"/>
+      </p:par>
+    </p:tnLst>
+  </p:timing>
+</p:sld>
+</file>
+
+<file path=ppt/slides/slide6.xml><?xml version="1.0" encoding="utf-8"?>
+<p:sld xmlns:a="http://schemas.openxmlformats.org/drawingml/2006/main" xmlns:r="http://schemas.openxmlformats.org/officeDocument/2006/relationships" xmlns:p="http://schemas.openxmlformats.org/presentationml/2006/main">
+  <p:cSld>
+    <p:spTree>
+      <p:nvGrpSpPr>
+        <p:cNvPr id="1" name=""/>
+        <p:cNvGrpSpPr/>
+        <p:nvPr/>
+      </p:nvGrpSpPr>
+      <p:grpSpPr>
+        <a:xfrm>
+          <a:off x="0" y="0"/>
+          <a:ext cx="0" cy="0"/>
+          <a:chOff x="0" y="0"/>
+          <a:chExt cx="0" cy="0"/>
+        </a:xfrm>
+      </p:grpSpPr>
+      <p:sp>
+        <p:nvSpPr>
+          <p:cNvPr id="2" name="Title 1"/>
+          <p:cNvSpPr>
+            <a:spLocks noGrp="1"/>
+          </p:cNvSpPr>
+          <p:nvPr>
+            <p:ph type="title"/>
+          </p:nvPr>
+        </p:nvSpPr>
+        <p:spPr/>
+        <p:txBody>
+          <a:bodyPr/>
+          <a:lstStyle/>
+          <a:p>
+            <a:r>
+              <a:rPr lang="en-US" dirty="0" smtClean="0"/>
+              <a:t>Install MongoDB</a:t>
+            </a:r>
+            <a:endParaRPr lang="en-US" dirty="0"/>
+          </a:p>
+        </p:txBody>
+      </p:sp>
+      <p:sp>
+        <p:nvSpPr>
+          <p:cNvPr id="3" name="Content Placeholder 2"/>
+          <p:cNvSpPr>
+            <a:spLocks noGrp="1"/>
+          </p:cNvSpPr>
+          <p:nvPr>
+            <p:ph idx="1"/>
+          </p:nvPr>
+        </p:nvSpPr>
+        <p:spPr/>
+        <p:txBody>
+          <a:bodyPr/>
+          <a:lstStyle/>
+          <a:p>
+            <a:r>
+              <a:rPr lang="en-US" dirty="0"/>
+              <a:t>Download MongoDB: </a:t>
+            </a:r>
+            <a:r>
+              <a:rPr lang="en-US" dirty="0">
+                <a:hlinkClick r:id="rId2"/>
+              </a:rPr>
+              <a:t>https://</a:t>
+            </a:r>
+            <a:r>
+              <a:rPr lang="en-US" dirty="0" smtClean="0">
+                <a:hlinkClick r:id="rId2"/>
+              </a:rPr>
+              <a:t>www.mongodb.org/downloads</a:t>
+            </a:r>
+            <a:endParaRPr lang="en-US" dirty="0" smtClean="0"/>
+          </a:p>
+          <a:p>
+            <a:r>
+              <a:rPr lang="en-US" dirty="0" smtClean="0"/>
+              <a:t>Install it</a:t>
+            </a:r>
+            <a:endParaRPr lang="en-US" dirty="0"/>
+          </a:p>
+        </p:txBody>
+      </p:sp>
+    </p:spTree>
+    <p:extLst>
+      <p:ext uri="{BB962C8B-B14F-4D97-AF65-F5344CB8AC3E}">
+        <p14:creationId xmlns:p14="http://schemas.microsoft.com/office/powerpoint/2010/main" val="1774158286"/>
+      </p:ext>
+    </p:extLst>
+  </p:cSld>
+  <p:clrMapOvr>
+    <a:masterClrMapping/>
+  </p:clrMapOvr>
+</p:sld>
+</file>
+
+<file path=ppt/slides/slide7.xml><?xml version="1.0" encoding="utf-8"?>
+<p:sld xmlns:a="http://schemas.openxmlformats.org/drawingml/2006/main" xmlns:r="http://schemas.openxmlformats.org/officeDocument/2006/relationships" xmlns:p="http://schemas.openxmlformats.org/presentationml/2006/main">
+  <p:cSld>
+    <p:spTree>
+      <p:nvGrpSpPr>
+        <p:cNvPr id="1" name=""/>
+        <p:cNvGrpSpPr/>
+        <p:nvPr/>
+      </p:nvGrpSpPr>
+      <p:grpSpPr>
+        <a:xfrm>
+          <a:off x="0" y="0"/>
+          <a:ext cx="0" cy="0"/>
+          <a:chOff x="0" y="0"/>
+          <a:chExt cx="0" cy="0"/>
+        </a:xfrm>
+      </p:grpSpPr>
+      <p:sp>
+        <p:nvSpPr>
+          <p:cNvPr id="2" name="Title 1"/>
+          <p:cNvSpPr>
+            <a:spLocks noGrp="1"/>
+          </p:cNvSpPr>
+          <p:nvPr>
+            <p:ph type="title"/>
+          </p:nvPr>
+        </p:nvSpPr>
+        <p:spPr>
+          <a:xfrm>
+            <a:off x="646111" y="452718"/>
+            <a:ext cx="9404723" cy="789931"/>
+          </a:xfrm>
+        </p:spPr>
+        <p:txBody>
+          <a:bodyPr/>
+          <a:lstStyle/>
+          <a:p>
+            <a:r>
+              <a:rPr lang="en-US" dirty="0"/>
+              <a:t>Configure </a:t>
+            </a:r>
+            <a:r>
+              <a:rPr lang="en-US" dirty="0" smtClean="0"/>
+              <a:t>MongoDB</a:t>
+            </a:r>
+            <a:r>
+              <a:rPr lang="en-US" dirty="0"/>
+              <a:t/>
+            </a:r>
+            <a:br>
+              <a:rPr lang="en-US" dirty="0"/>
+            </a:br>
+            <a:endParaRPr lang="en-US" dirty="0"/>
+          </a:p>
+        </p:txBody>
+      </p:sp>
+      <p:sp>
+        <p:nvSpPr>
+          <p:cNvPr id="3" name="Content Placeholder 2"/>
+          <p:cNvSpPr>
+            <a:spLocks noGrp="1"/>
+          </p:cNvSpPr>
+          <p:nvPr>
+            <p:ph idx="1"/>
+          </p:nvPr>
+        </p:nvSpPr>
+        <p:spPr>
+          <a:xfrm>
+            <a:off x="1104293" y="1419872"/>
+            <a:ext cx="8946541" cy="4195481"/>
+          </a:xfrm>
+        </p:spPr>
+        <p:txBody>
+          <a:bodyPr/>
+          <a:lstStyle/>
+          <a:p>
+            <a:r>
+              <a:rPr lang="en-US" b="1" dirty="0"/>
+              <a:t>Open an Administrator command prompt.</a:t>
+            </a:r>
+          </a:p>
+          <a:p>
+            <a:r>
+              <a:rPr lang="en-US" b="1" dirty="0"/>
+              <a:t>Create </a:t>
+            </a:r>
+            <a:r>
+              <a:rPr lang="en-US" b="1" dirty="0" smtClean="0"/>
+              <a:t>directories</a:t>
+            </a:r>
+          </a:p>
+          <a:p>
+            <a:endParaRPr lang="en-US" b="1" dirty="0"/>
+          </a:p>
+          <a:p>
+            <a:endParaRPr lang="en-US" b="1" dirty="0" smtClean="0"/>
+          </a:p>
+          <a:p>
+            <a:endParaRPr lang="en-US" b="1" dirty="0"/>
+          </a:p>
+          <a:p>
+            <a:endParaRPr lang="en-US" b="1" dirty="0" smtClean="0"/>
+          </a:p>
+          <a:p>
+            <a:r>
+              <a:rPr lang="en-US" b="1" dirty="0"/>
+              <a:t>Create a configuration file.</a:t>
+            </a:r>
+          </a:p>
+          <a:p>
+            <a:endParaRPr lang="en-US" b="1" dirty="0"/>
+          </a:p>
+          <a:p>
+            <a:endParaRPr lang="en-US" b="1" dirty="0"/>
+          </a:p>
+          <a:p>
+            <a:endParaRPr lang="en-US" b="1" dirty="0" smtClean="0"/>
+          </a:p>
+          <a:p>
+            <a:endParaRPr lang="en-US" b="1" dirty="0" smtClean="0"/>
+          </a:p>
+          <a:p>
+            <a:pPr marL="914400" lvl="2" indent="0">
+              <a:buNone/>
+            </a:pPr>
+            <a:endParaRPr lang="en-US" b="1" dirty="0" smtClean="0"/>
+          </a:p>
+          <a:p>
+            <a:endParaRPr lang="en-US" b="1" dirty="0"/>
+          </a:p>
+          <a:p>
+            <a:endParaRPr lang="en-US" b="1" dirty="0" smtClean="0"/>
+          </a:p>
+          <a:p>
+            <a:endParaRPr lang="en-US" b="1" dirty="0"/>
+          </a:p>
+          <a:p>
+            <a:endParaRPr lang="en-US" b="1" dirty="0" smtClean="0"/>
+          </a:p>
+          <a:p>
+            <a:endParaRPr lang="en-US" b="1" dirty="0"/>
+          </a:p>
+          <a:p>
+            <a:endParaRPr lang="en-US" b="1" dirty="0"/>
+          </a:p>
+          <a:p>
+            <a:pPr lvl="1"/>
+            <a:endParaRPr lang="en-US" dirty="0"/>
+          </a:p>
+        </p:txBody>
+      </p:sp>
+      <p:pic>
+        <p:nvPicPr>
+          <p:cNvPr id="7" name="Picture 6"/>
+          <p:cNvPicPr>
+            <a:picLocks noChangeAspect="1"/>
+          </p:cNvPicPr>
+          <p:nvPr/>
+        </p:nvPicPr>
+        <p:blipFill>
+          <a:blip r:embed="rId2"/>
+          <a:stretch>
+            <a:fillRect/>
+          </a:stretch>
+        </p:blipFill>
+        <p:spPr>
+          <a:xfrm>
+            <a:off x="4058749" y="1820008"/>
+            <a:ext cx="4680806" cy="2154453"/>
+          </a:xfrm>
+          <a:prstGeom prst="rect">
+            <a:avLst/>
+          </a:prstGeom>
+        </p:spPr>
+      </p:pic>
+      <p:pic>
+        <p:nvPicPr>
+          <p:cNvPr id="8" name="Picture 7"/>
+          <p:cNvPicPr>
+            <a:picLocks noChangeAspect="1"/>
+          </p:cNvPicPr>
+          <p:nvPr/>
+        </p:nvPicPr>
+        <p:blipFill>
+          <a:blip r:embed="rId3"/>
+          <a:stretch>
+            <a:fillRect/>
+          </a:stretch>
+        </p:blipFill>
+        <p:spPr>
+          <a:xfrm>
+            <a:off x="3958313" y="4506058"/>
+            <a:ext cx="4781242" cy="2351942"/>
+          </a:xfrm>
+          <a:prstGeom prst="rect">
+            <a:avLst/>
+          </a:prstGeom>
+        </p:spPr>
+      </p:pic>
+    </p:spTree>
+    <p:extLst>
+      <p:ext uri="{BB962C8B-B14F-4D97-AF65-F5344CB8AC3E}">
+        <p14:creationId xmlns:p14="http://schemas.microsoft.com/office/powerpoint/2010/main" val="2974314830"/>
+      </p:ext>
+    </p:extLst>
+  </p:cSld>
+  <p:clrMapOvr>
+    <a:masterClrMapping/>
+  </p:clrMapOvr>
+</p:sld>
+</file>
+
+<file path=ppt/slides/slide8.xml><?xml version="1.0" encoding="utf-8"?>
+<p:sld xmlns:a="http://schemas.openxmlformats.org/drawingml/2006/main" xmlns:r="http://schemas.openxmlformats.org/officeDocument/2006/relationships" xmlns:p="http://schemas.openxmlformats.org/presentationml/2006/main">
+  <p:cSld>
+    <p:spTree>
+      <p:nvGrpSpPr>
+        <p:cNvPr id="1" name=""/>
+        <p:cNvGrpSpPr/>
+        <p:nvPr/>
+      </p:nvGrpSpPr>
+      <p:grpSpPr>
+        <a:xfrm>
+          <a:off x="0" y="0"/>
+          <a:ext cx="0" cy="0"/>
+          <a:chOff x="0" y="0"/>
+          <a:chExt cx="0" cy="0"/>
+        </a:xfrm>
+      </p:grpSpPr>
+      <p:sp>
+        <p:nvSpPr>
+          <p:cNvPr id="2" name="Title 1"/>
+          <p:cNvSpPr>
+            <a:spLocks noGrp="1"/>
+          </p:cNvSpPr>
+          <p:nvPr>
+            <p:ph type="title"/>
+          </p:nvPr>
+        </p:nvSpPr>
+        <p:spPr/>
+        <p:txBody>
+          <a:bodyPr/>
+          <a:lstStyle/>
+          <a:p>
+            <a:r>
+              <a:rPr lang="en-US" dirty="0"/>
+              <a:t>Configure MongoDB</a:t>
+            </a:r>
+          </a:p>
+        </p:txBody>
+      </p:sp>
+      <p:sp>
+        <p:nvSpPr>
+          <p:cNvPr id="3" name="Content Placeholder 2"/>
+          <p:cNvSpPr>
+            <a:spLocks noGrp="1"/>
+          </p:cNvSpPr>
+          <p:nvPr>
+            <p:ph idx="1"/>
+          </p:nvPr>
+        </p:nvSpPr>
+        <p:spPr/>
+        <p:txBody>
+          <a:bodyPr/>
+          <a:lstStyle/>
+          <a:p>
+            <a:r>
+              <a:rPr lang="en-US" b="1" dirty="0"/>
+              <a:t>Install the MongoDB </a:t>
+            </a:r>
+            <a:r>
+              <a:rPr lang="en-US" b="1" dirty="0" smtClean="0"/>
+              <a:t>service</a:t>
+            </a:r>
+          </a:p>
+          <a:p>
+            <a:endParaRPr lang="en-US" b="1" dirty="0"/>
+          </a:p>
+          <a:p>
+            <a:endParaRPr lang="en-US" b="1" dirty="0" smtClean="0"/>
+          </a:p>
+          <a:p>
+            <a:endParaRPr lang="en-US" b="1" dirty="0"/>
+          </a:p>
+          <a:p>
+            <a:r>
+              <a:rPr lang="en-US" b="1" dirty="0"/>
+              <a:t>Start the MongoDB service.</a:t>
+            </a:r>
+          </a:p>
+          <a:p>
+            <a:pPr lvl="1"/>
+            <a:r>
+              <a:rPr lang="en-US" b="1" dirty="0"/>
+              <a:t>n</a:t>
+            </a:r>
+            <a:r>
+              <a:rPr lang="en-US" b="1" dirty="0" smtClean="0"/>
+              <a:t>et start MongoDB</a:t>
+            </a:r>
+          </a:p>
+          <a:p>
+            <a:r>
+              <a:rPr lang="en-US" b="1" dirty="0"/>
+              <a:t>Stop or remove the MongoDB service as needed</a:t>
+            </a:r>
+          </a:p>
+          <a:p>
+            <a:pPr lvl="1"/>
+            <a:r>
+              <a:rPr lang="en-US" b="1" dirty="0" smtClean="0"/>
+              <a:t>Stop: net stop MongoDB</a:t>
+            </a:r>
+          </a:p>
+          <a:p>
+            <a:pPr lvl="1"/>
+            <a:r>
+              <a:rPr lang="en-US" b="1" dirty="0" smtClean="0"/>
+              <a:t>Remove: “C:\</a:t>
+            </a:r>
+            <a:r>
+              <a:rPr lang="en-US" b="1" dirty="0" err="1" smtClean="0"/>
+              <a:t>mongodb</a:t>
+            </a:r>
+            <a:r>
+              <a:rPr lang="en-US" b="1" dirty="0" smtClean="0"/>
+              <a:t>\bin\mongod.exe” --remove</a:t>
+            </a:r>
+          </a:p>
+          <a:p>
+            <a:endParaRPr lang="en-US" b="1" dirty="0" smtClean="0"/>
+          </a:p>
+          <a:p>
+            <a:endParaRPr lang="en-US" b="1" dirty="0" smtClean="0"/>
+          </a:p>
+          <a:p>
+            <a:pPr lvl="1"/>
+            <a:endParaRPr lang="en-US" b="1" dirty="0"/>
+          </a:p>
+          <a:p>
+            <a:pPr lvl="1"/>
+            <a:endParaRPr lang="en-US" dirty="0"/>
+          </a:p>
+        </p:txBody>
+      </p:sp>
+      <p:pic>
+        <p:nvPicPr>
+          <p:cNvPr id="6" name="Picture 5"/>
+          <p:cNvPicPr>
+            <a:picLocks noChangeAspect="1"/>
+          </p:cNvPicPr>
+          <p:nvPr/>
+        </p:nvPicPr>
+        <p:blipFill>
+          <a:blip r:embed="rId2"/>
+          <a:stretch>
+            <a:fillRect/>
+          </a:stretch>
+        </p:blipFill>
+        <p:spPr>
+          <a:xfrm>
+            <a:off x="1415560" y="2458182"/>
+            <a:ext cx="8837695" cy="1146663"/>
+          </a:xfrm>
+          <a:prstGeom prst="rect">
+            <a:avLst/>
+          </a:prstGeom>
+        </p:spPr>
+      </p:pic>
+    </p:spTree>
+    <p:extLst>
+      <p:ext uri="{BB962C8B-B14F-4D97-AF65-F5344CB8AC3E}">
+        <p14:creationId xmlns:p14="http://schemas.microsoft.com/office/powerpoint/2010/main" val="983959939"/>
+      </p:ext>
+    </p:extLst>
+  </p:cSld>
+  <p:clrMapOvr>
+    <a:masterClrMapping/>
+  </p:clrMapOvr>
+</p:sld>
+</file>
+
+<file path=ppt/slides/slide9.xml><?xml version="1.0" encoding="utf-8"?>
+<p:sld xmlns:a="http://schemas.openxmlformats.org/drawingml/2006/main" xmlns:r="http://schemas.openxmlformats.org/officeDocument/2006/relationships" xmlns:p="http://schemas.openxmlformats.org/presentationml/2006/main">
+  <p:cSld>
+    <p:spTree>
+      <p:nvGrpSpPr>
+        <p:cNvPr id="1" name=""/>
+        <p:cNvGrpSpPr/>
+        <p:nvPr/>
+      </p:nvGrpSpPr>
+      <p:grpSpPr>
+        <a:xfrm>
+          <a:off x="0" y="0"/>
+          <a:ext cx="0" cy="0"/>
+          <a:chOff x="0" y="0"/>
+          <a:chExt cx="0" cy="0"/>
+        </a:xfrm>
+      </p:grpSpPr>
+      <p:sp>
+        <p:nvSpPr>
+          <p:cNvPr id="2" name="Title 1"/>
+          <p:cNvSpPr>
+            <a:spLocks noGrp="1"/>
+          </p:cNvSpPr>
+          <p:nvPr>
+            <p:ph type="title"/>
+          </p:nvPr>
+        </p:nvSpPr>
+        <p:spPr/>
+        <p:txBody>
+          <a:bodyPr/>
+          <a:lstStyle/>
+          <a:p>
+            <a:r>
+              <a:rPr lang="en-US" dirty="0" smtClean="0"/>
+              <a:t>Working with MongoDB</a:t>
+            </a:r>
+            <a:endParaRPr lang="en-US" dirty="0"/>
+          </a:p>
+        </p:txBody>
+      </p:sp>
+      <p:sp>
+        <p:nvSpPr>
+          <p:cNvPr id="3" name="Content Placeholder 2"/>
+          <p:cNvSpPr>
+            <a:spLocks noGrp="1"/>
+          </p:cNvSpPr>
+          <p:nvPr>
+            <p:ph idx="1"/>
+          </p:nvPr>
+        </p:nvSpPr>
+        <p:spPr/>
+        <p:txBody>
+          <a:bodyPr/>
+          <a:lstStyle/>
+          <a:p>
+            <a:r>
+              <a:rPr lang="en-US" dirty="0" smtClean="0"/>
+              <a:t>Use Mongo shell</a:t>
+            </a:r>
+          </a:p>
+          <a:p>
+            <a:pPr lvl="1"/>
+            <a:r>
+              <a:rPr lang="en-US" dirty="0"/>
+              <a:t>Open command prompt and run the mongo shell with the following command: mongo</a:t>
+            </a:r>
+            <a:endParaRPr lang="en-US" dirty="0" smtClean="0"/>
+          </a:p>
+          <a:p>
+            <a:r>
+              <a:rPr lang="en-US" dirty="0" smtClean="0"/>
+              <a:t>Use tool (</a:t>
+            </a:r>
+            <a:r>
+              <a:rPr lang="en-US" dirty="0" err="1" smtClean="0"/>
+              <a:t>MongoChef</a:t>
+            </a:r>
+            <a:r>
+              <a:rPr lang="en-US" dirty="0" smtClean="0"/>
+              <a:t>)</a:t>
+            </a:r>
+          </a:p>
+          <a:p>
+            <a:pPr lvl="1"/>
+            <a:r>
+              <a:rPr lang="en-US" dirty="0" smtClean="0"/>
+              <a:t>Download: http</a:t>
+            </a:r>
+            <a:r>
+              <a:rPr lang="en-US" dirty="0"/>
+              <a:t>://3t.io/mongochef/download/</a:t>
+            </a:r>
+          </a:p>
+          <a:p>
+            <a:endParaRPr lang="en-US" dirty="0" smtClean="0"/>
+          </a:p>
+          <a:p>
+            <a:pPr lvl="1"/>
+            <a:endParaRPr lang="en-US" dirty="0" smtClean="0"/>
+          </a:p>
+          <a:p>
+            <a:pPr lvl="1"/>
+            <a:endParaRPr lang="en-US" dirty="0"/>
+          </a:p>
+        </p:txBody>
+      </p:sp>
+    </p:spTree>
+    <p:extLst>
+      <p:ext uri="{BB962C8B-B14F-4D97-AF65-F5344CB8AC3E}">
+        <p14:creationId xmlns:p14="http://schemas.microsoft.com/office/powerpoint/2010/main" val="2833068980"/>
       </p:ext>
     </p:extLst>
   </p:cSld>
